--- a/PDF/Ex_SW관련_진로탐색.pptx
+++ b/PDF/Ex_SW관련_진로탐색.pptx
@@ -5,10 +5,10 @@
     <p:sldMasterId id="2147483648" r:id="rId1"/>
   </p:sldMasterIdLst>
   <p:notesMasterIdLst>
-    <p:notesMasterId r:id="rId10"/>
+    <p:notesMasterId r:id="rId11"/>
   </p:notesMasterIdLst>
   <p:handoutMasterIdLst>
-    <p:handoutMasterId r:id="rId11"/>
+    <p:handoutMasterId r:id="rId12"/>
   </p:handoutMasterIdLst>
   <p:sldIdLst>
     <p:sldId id="256" r:id="rId2"/>
@@ -16,9 +16,10 @@
     <p:sldId id="701" r:id="rId4"/>
     <p:sldId id="702" r:id="rId5"/>
     <p:sldId id="703" r:id="rId6"/>
-    <p:sldId id="704" r:id="rId7"/>
-    <p:sldId id="705" r:id="rId8"/>
-    <p:sldId id="385" r:id="rId9"/>
+    <p:sldId id="706" r:id="rId7"/>
+    <p:sldId id="704" r:id="rId8"/>
+    <p:sldId id="705" r:id="rId9"/>
+    <p:sldId id="385" r:id="rId10"/>
   </p:sldIdLst>
   <p:sldSz cx="9144000" cy="6858000" type="screen4x3"/>
   <p:notesSz cx="6858000" cy="9144000"/>
@@ -1028,7 +1029,7 @@
     </p:spTree>
     <p:extLst>
       <p:ext uri="{BB962C8B-B14F-4D97-AF65-F5344CB8AC3E}">
-        <p14:creationId xmlns:p14="http://schemas.microsoft.com/office/powerpoint/2010/main" val="4113328148"/>
+        <p14:creationId xmlns:p14="http://schemas.microsoft.com/office/powerpoint/2010/main" val="1606065221"/>
       </p:ext>
     </p:extLst>
   </p:cSld>
@@ -1105,6 +1106,91 @@
               <a:rPr lang="ko-KR" altLang="en-US" smtClean="0"/>
               <a:pPr/>
               <a:t>7</a:t>
+            </a:fld>
+            <a:endParaRPr lang="ko-KR" altLang="en-US" dirty="0"/>
+          </a:p>
+        </p:txBody>
+      </p:sp>
+    </p:spTree>
+    <p:extLst>
+      <p:ext uri="{BB962C8B-B14F-4D97-AF65-F5344CB8AC3E}">
+        <p14:creationId xmlns:p14="http://schemas.microsoft.com/office/powerpoint/2010/main" val="4113328148"/>
+      </p:ext>
+    </p:extLst>
+  </p:cSld>
+  <p:clrMapOvr>
+    <a:masterClrMapping/>
+  </p:clrMapOvr>
+</p:notes>
+</file>
+
+<file path=ppt/notesSlides/notesSlide6.xml><?xml version="1.0" encoding="utf-8"?>
+<p:notes xmlns:a="http://schemas.openxmlformats.org/drawingml/2006/main" xmlns:r="http://schemas.openxmlformats.org/officeDocument/2006/relationships" xmlns:p="http://schemas.openxmlformats.org/presentationml/2006/main">
+  <p:cSld>
+    <p:spTree>
+      <p:nvGrpSpPr>
+        <p:cNvPr id="1" name=""/>
+        <p:cNvGrpSpPr/>
+        <p:nvPr/>
+      </p:nvGrpSpPr>
+      <p:grpSpPr>
+        <a:xfrm>
+          <a:off x="0" y="0"/>
+          <a:ext cx="0" cy="0"/>
+          <a:chOff x="0" y="0"/>
+          <a:chExt cx="0" cy="0"/>
+        </a:xfrm>
+      </p:grpSpPr>
+      <p:sp>
+        <p:nvSpPr>
+          <p:cNvPr id="2" name="슬라이드 이미지 개체 틀 1"/>
+          <p:cNvSpPr>
+            <a:spLocks noGrp="1" noRot="1" noChangeAspect="1"/>
+          </p:cNvSpPr>
+          <p:nvPr>
+            <p:ph type="sldImg"/>
+          </p:nvPr>
+        </p:nvSpPr>
+        <p:spPr/>
+      </p:sp>
+      <p:sp>
+        <p:nvSpPr>
+          <p:cNvPr id="3" name="슬라이드 노트 개체 틀 2"/>
+          <p:cNvSpPr>
+            <a:spLocks noGrp="1"/>
+          </p:cNvSpPr>
+          <p:nvPr>
+            <p:ph type="body" idx="1"/>
+          </p:nvPr>
+        </p:nvSpPr>
+        <p:spPr/>
+        <p:txBody>
+          <a:bodyPr/>
+          <a:lstStyle/>
+          <a:p>
+            <a:endParaRPr lang="ko-KR" altLang="en-US" dirty="0"/>
+          </a:p>
+        </p:txBody>
+      </p:sp>
+      <p:sp>
+        <p:nvSpPr>
+          <p:cNvPr id="4" name="슬라이드 번호 개체 틀 3"/>
+          <p:cNvSpPr>
+            <a:spLocks noGrp="1"/>
+          </p:cNvSpPr>
+          <p:nvPr>
+            <p:ph type="sldNum" sz="quarter" idx="10"/>
+          </p:nvPr>
+        </p:nvSpPr>
+        <p:spPr/>
+        <p:txBody>
+          <a:bodyPr/>
+          <a:lstStyle/>
+          <a:p>
+            <a:fld id="{5C1137B9-5383-4519-A69D-AA54E0B9CE3B}" type="slidenum">
+              <a:rPr lang="ko-KR" altLang="en-US" smtClean="0"/>
+              <a:pPr/>
+              <a:t>8</a:t>
             </a:fld>
             <a:endParaRPr lang="ko-KR" altLang="en-US" dirty="0"/>
           </a:p>
@@ -5316,15 +5402,7 @@
                   <a:schemeClr val="bg1"/>
                 </a:solidFill>
               </a:rPr>
-              <a:t>프로그래밍 관련 </a:t>
-            </a:r>
-            <a:r>
-              <a:rPr lang="ko-KR" altLang="en-US" sz="3600" b="1" smtClean="0">
-                <a:solidFill>
-                  <a:schemeClr val="bg1"/>
-                </a:solidFill>
-              </a:rPr>
-              <a:t>진로 탐색</a:t>
+              <a:t>프로그래밍 관련 진로 탐색</a:t>
             </a:r>
             <a:endParaRPr lang="ko-KR" altLang="en-US" sz="2800" b="1" dirty="0">
               <a:solidFill>
@@ -5401,11 +5479,7 @@
             </a:pPr>
             <a:r>
               <a:rPr lang="ko-KR" altLang="en-US" sz="2400" smtClean="0"/>
-              <a:t>내가 </a:t>
-            </a:r>
-            <a:r>
-              <a:rPr lang="ko-KR" altLang="en-US" sz="2400" smtClean="0"/>
-              <a:t>잘 할 수 있을 것 같은 것은</a:t>
+              <a:t>내가 잘 할 수 있을 것 같은 것은</a:t>
             </a:r>
             <a:r>
               <a:rPr lang="en-US" altLang="ko-KR" sz="2400" smtClean="0"/>
@@ -5520,15 +5594,7 @@
             </a:r>
             <a:r>
               <a:rPr lang="ko-KR" altLang="en-US" smtClean="0"/>
-              <a:t>적성 </a:t>
-            </a:r>
-            <a:r>
-              <a:rPr lang="ko-KR" altLang="en-US" smtClean="0"/>
-              <a:t>찾기</a:t>
-            </a:r>
-            <a:r>
-              <a:rPr lang="ko-KR" altLang="en-US" smtClean="0"/>
-              <a:t> </a:t>
+              <a:t>적성 찾기 </a:t>
             </a:r>
             <a:endParaRPr lang="ko-KR" altLang="en-US" dirty="0"/>
           </a:p>
@@ -5724,15 +5790,7 @@
                   <a:srgbClr val="0F0F0F"/>
                 </a:solidFill>
               </a:rPr>
-              <a:t>을 구분하실 수 </a:t>
-            </a:r>
-            <a:r>
-              <a:rPr lang="ko-KR" altLang="en-US" sz="1800" b="1">
-                <a:solidFill>
-                  <a:srgbClr val="0F0F0F"/>
-                </a:solidFill>
-              </a:rPr>
-              <a:t>있나요</a:t>
+              <a:t>을 구분하실 수 있나요</a:t>
             </a:r>
             <a:r>
               <a:rPr lang="en-US" altLang="ko-KR" sz="1800" b="1" smtClean="0">
@@ -5796,13 +5854,7 @@
               <a:rPr lang="en-US" altLang="ko-KR" sz="1800">
                 <a:hlinkClick r:id="rId3"/>
               </a:rPr>
-              <a:t>https</a:t>
-            </a:r>
-            <a:r>
-              <a:rPr lang="en-US" altLang="ko-KR" sz="1800">
-                <a:hlinkClick r:id="rId3"/>
-              </a:rPr>
-              <a:t>://</a:t>
+              <a:t>https://</a:t>
             </a:r>
             <a:r>
               <a:rPr lang="en-US" altLang="ko-KR" sz="1800" smtClean="0">
@@ -5998,11 +6050,7 @@
             </a:r>
             <a:r>
               <a:rPr lang="ko-KR" altLang="en-US" sz="1800" b="1"/>
-              <a:t>직업 </a:t>
-            </a:r>
-            <a:r>
-              <a:rPr lang="ko-KR" altLang="en-US" sz="1800" b="1"/>
-              <a:t>찾는 </a:t>
+              <a:t>직업 찾는 </a:t>
             </a:r>
             <a:r>
               <a:rPr lang="ko-KR" altLang="en-US" sz="1800" b="1" smtClean="0"/>
@@ -6067,13 +6115,7 @@
               <a:rPr lang="en-US" altLang="ko-KR" sz="1800">
                 <a:hlinkClick r:id="rId3"/>
               </a:rPr>
-              <a:t>https</a:t>
-            </a:r>
-            <a:r>
-              <a:rPr lang="en-US" altLang="ko-KR" sz="1800">
-                <a:hlinkClick r:id="rId3"/>
-              </a:rPr>
-              <a:t>://</a:t>
+              <a:t>https://</a:t>
             </a:r>
             <a:r>
               <a:rPr lang="en-US" altLang="ko-KR" sz="1800" smtClean="0">
@@ -6296,13 +6338,7 @@
               <a:rPr lang="en-US" altLang="ko-KR" sz="1800">
                 <a:hlinkClick r:id="rId3"/>
               </a:rPr>
-              <a:t>https</a:t>
-            </a:r>
-            <a:r>
-              <a:rPr lang="en-US" altLang="ko-KR" sz="1800">
-                <a:hlinkClick r:id="rId3"/>
-              </a:rPr>
-              <a:t>://</a:t>
+              <a:t>https://</a:t>
             </a:r>
             <a:r>
               <a:rPr lang="en-US" altLang="ko-KR" sz="1800" smtClean="0">
@@ -6336,7 +6372,7 @@
         </p:blipFill>
         <p:spPr>
           <a:xfrm>
-            <a:off x="2225861" y="3429000"/>
+            <a:off x="1043608" y="3287125"/>
             <a:ext cx="4620270" cy="2905530"/>
           </a:xfrm>
           <a:prstGeom prst="rect">
@@ -6344,6 +6380,175 @@
           </a:prstGeom>
         </p:spPr>
       </p:pic>
+      <p:sp>
+        <p:nvSpPr>
+          <p:cNvPr id="5" name="직사각형 4"/>
+          <p:cNvSpPr/>
+          <p:nvPr/>
+        </p:nvSpPr>
+        <p:spPr>
+          <a:xfrm>
+            <a:off x="5868144" y="3287125"/>
+            <a:ext cx="3024336" cy="1754326"/>
+          </a:xfrm>
+          <a:prstGeom prst="rect">
+            <a:avLst/>
+          </a:prstGeom>
+          <a:solidFill>
+            <a:schemeClr val="bg1">
+              <a:lumMod val="95000"/>
+            </a:schemeClr>
+          </a:solidFill>
+          <a:ln>
+            <a:solidFill>
+              <a:schemeClr val="bg1">
+                <a:lumMod val="85000"/>
+              </a:schemeClr>
+            </a:solidFill>
+          </a:ln>
+          <a:effectLst>
+            <a:outerShdw blurRad="50800" dist="38100" dir="2700000" algn="tl" rotWithShape="0">
+              <a:prstClr val="black">
+                <a:alpha val="40000"/>
+              </a:prstClr>
+            </a:outerShdw>
+          </a:effectLst>
+        </p:spPr>
+        <p:txBody>
+          <a:bodyPr wrap="square">
+            <a:spAutoFit/>
+          </a:bodyPr>
+          <a:lstStyle/>
+          <a:p>
+            <a:pPr marL="171450" indent="-171450">
+              <a:lnSpc>
+                <a:spcPct val="150000"/>
+              </a:lnSpc>
+              <a:buFont typeface="Wingdings" panose="05000000000000000000" pitchFamily="2" charset="2"/>
+              <a:buChar char="v"/>
+            </a:pPr>
+            <a:r>
+              <a:rPr lang="ko-KR" altLang="en-US" sz="1200" smtClean="0">
+                <a:latin typeface="+mn-ea"/>
+                <a:ea typeface="+mn-ea"/>
+              </a:rPr>
+              <a:t>논리적인 것</a:t>
+            </a:r>
+            <a:r>
+              <a:rPr lang="en-US" altLang="ko-KR" sz="1200" smtClean="0">
+                <a:latin typeface="+mn-ea"/>
+                <a:ea typeface="+mn-ea"/>
+              </a:rPr>
+              <a:t>, </a:t>
+            </a:r>
+            <a:r>
+              <a:rPr lang="ko-KR" altLang="en-US" sz="1200" smtClean="0">
+                <a:latin typeface="+mn-ea"/>
+                <a:ea typeface="+mn-ea"/>
+              </a:rPr>
+              <a:t>생각하는 것 좋아함</a:t>
+            </a:r>
+            <a:endParaRPr lang="en-US" altLang="ko-KR" sz="1200" smtClean="0">
+              <a:latin typeface="+mn-ea"/>
+              <a:ea typeface="+mn-ea"/>
+            </a:endParaRPr>
+          </a:p>
+          <a:p>
+            <a:pPr marL="171450" indent="-171450">
+              <a:lnSpc>
+                <a:spcPct val="150000"/>
+              </a:lnSpc>
+              <a:buFont typeface="Wingdings" panose="05000000000000000000" pitchFamily="2" charset="2"/>
+              <a:buChar char="v"/>
+            </a:pPr>
+            <a:r>
+              <a:rPr lang="ko-KR" altLang="en-US" sz="1200" smtClean="0">
+                <a:latin typeface="+mn-ea"/>
+                <a:ea typeface="+mn-ea"/>
+              </a:rPr>
+              <a:t>수학 문제를 단계적으로 풀어가는 과정</a:t>
+            </a:r>
+            <a:endParaRPr lang="en-US" altLang="ko-KR" sz="1200" smtClean="0">
+              <a:latin typeface="+mn-ea"/>
+              <a:ea typeface="+mn-ea"/>
+            </a:endParaRPr>
+          </a:p>
+          <a:p>
+            <a:pPr marL="171450" indent="-171450">
+              <a:lnSpc>
+                <a:spcPct val="150000"/>
+              </a:lnSpc>
+              <a:buFont typeface="Wingdings" panose="05000000000000000000" pitchFamily="2" charset="2"/>
+              <a:buChar char="v"/>
+            </a:pPr>
+            <a:r>
+              <a:rPr lang="ko-KR" altLang="en-US" sz="1200" smtClean="0">
+                <a:latin typeface="+mn-ea"/>
+                <a:ea typeface="+mn-ea"/>
+              </a:rPr>
+              <a:t>발전 욕구가 있음</a:t>
+            </a:r>
+            <a:endParaRPr lang="en-US" altLang="ko-KR" sz="1200" smtClean="0">
+              <a:latin typeface="+mn-ea"/>
+              <a:ea typeface="+mn-ea"/>
+            </a:endParaRPr>
+          </a:p>
+          <a:p>
+            <a:pPr marL="171450" indent="-171450">
+              <a:lnSpc>
+                <a:spcPct val="150000"/>
+              </a:lnSpc>
+              <a:buFont typeface="Wingdings" panose="05000000000000000000" pitchFamily="2" charset="2"/>
+              <a:buChar char="v"/>
+            </a:pPr>
+            <a:r>
+              <a:rPr lang="ko-KR" altLang="en-US" sz="1200" smtClean="0">
+                <a:latin typeface="+mn-ea"/>
+                <a:ea typeface="+mn-ea"/>
+              </a:rPr>
+              <a:t>욕심이 있음</a:t>
+            </a:r>
+            <a:endParaRPr lang="en-US" altLang="ko-KR" sz="1200" smtClean="0">
+              <a:latin typeface="+mn-ea"/>
+              <a:ea typeface="+mn-ea"/>
+            </a:endParaRPr>
+          </a:p>
+          <a:p>
+            <a:pPr marL="171450" indent="-171450">
+              <a:lnSpc>
+                <a:spcPct val="150000"/>
+              </a:lnSpc>
+              <a:buFont typeface="Wingdings" panose="05000000000000000000" pitchFamily="2" charset="2"/>
+              <a:buChar char="v"/>
+            </a:pPr>
+            <a:r>
+              <a:rPr lang="ko-KR" altLang="en-US" sz="1200" smtClean="0">
+                <a:latin typeface="+mn-ea"/>
+                <a:ea typeface="+mn-ea"/>
+              </a:rPr>
+              <a:t>호기심이 있고</a:t>
+            </a:r>
+            <a:r>
+              <a:rPr lang="en-US" altLang="ko-KR" sz="1200" smtClean="0">
+                <a:latin typeface="+mn-ea"/>
+                <a:ea typeface="+mn-ea"/>
+              </a:rPr>
+              <a:t>, </a:t>
+            </a:r>
+            <a:r>
+              <a:rPr lang="ko-KR" altLang="en-US" sz="1200" smtClean="0">
+                <a:latin typeface="+mn-ea"/>
+                <a:ea typeface="+mn-ea"/>
+              </a:rPr>
+              <a:t>아이디어를 내서 해결하는 것을 좋아함</a:t>
+            </a:r>
+            <a:endParaRPr lang="ko-KR" altLang="en-US" sz="1200">
+              <a:latin typeface="+mn-ea"/>
+              <a:ea typeface="+mn-ea"/>
+            </a:endParaRPr>
+          </a:p>
+        </p:txBody>
+      </p:sp>
     </p:spTree>
     <p:extLst>
       <p:ext uri="{BB962C8B-B14F-4D97-AF65-F5344CB8AC3E}">
@@ -6400,11 +6605,11 @@
                   <a:srgbClr val="3C479D"/>
                 </a:solidFill>
               </a:rPr>
-              <a:t>03. </a:t>
+              <a:t>02. </a:t>
             </a:r>
             <a:r>
               <a:rPr lang="ko-KR" altLang="en-US" smtClean="0"/>
-              <a:t>프로그래밍 직무 </a:t>
+              <a:t>프로그래밍 적성 </a:t>
             </a:r>
             <a:endParaRPr lang="ko-KR" altLang="en-US" dirty="0"/>
           </a:p>
@@ -6456,7 +6661,7 @@
             </a:r>
             <a:r>
               <a:rPr lang="ko-KR" altLang="en-US" sz="2000" smtClean="0"/>
-              <a:t> 직무</a:t>
+              <a:t> 적성</a:t>
             </a:r>
             <a:r>
               <a:rPr lang="en-US" altLang="ko-KR" sz="2000" smtClean="0">
@@ -6480,23 +6685,31 @@
             <a:pPr lvl="1"/>
             <a:r>
               <a:rPr lang="ko-KR" altLang="en-US" sz="1800" b="1"/>
-              <a:t>개발 분야</a:t>
+              <a:t>개발이 적성에 맞는지 판단하는 방법 </a:t>
             </a:r>
             <a:r>
               <a:rPr lang="en-US" altLang="ko-KR" sz="1800" b="1"/>
-              <a:t>, </a:t>
+              <a:t>(</a:t>
             </a:r>
             <a:r>
               <a:rPr lang="ko-KR" altLang="en-US" sz="1800" b="1"/>
-              <a:t>얼마나 알고 </a:t>
+              <a:t>딱 </a:t>
+            </a:r>
+            <a:r>
+              <a:rPr lang="en-US" altLang="ko-KR" sz="1800" b="1"/>
+              <a:t>3</a:t>
             </a:r>
             <a:r>
               <a:rPr lang="ko-KR" altLang="en-US" sz="1800" b="1"/>
-              <a:t>계신가요</a:t>
+              <a:t>가지 </a:t>
+            </a:r>
+            <a:r>
+              <a:rPr lang="ko-KR" altLang="en-US" sz="1800" b="1"/>
+              <a:t>알려드림</a:t>
             </a:r>
             <a:r>
               <a:rPr lang="en-US" altLang="ko-KR" sz="1800" b="1" smtClean="0"/>
-              <a:t>?</a:t>
+              <a:t>)</a:t>
             </a:r>
             <a:endParaRPr lang="en-US" altLang="ko-KR" sz="1800" smtClean="0">
               <a:solidFill>
@@ -6507,16 +6720,24 @@
           <a:p>
             <a:pPr lvl="1"/>
             <a:r>
-              <a:rPr lang="ko-KR" altLang="en-US" sz="1800" smtClean="0"/>
-              <a:t>삼평동연구소</a:t>
-            </a:r>
-            <a:endParaRPr lang="en-US" altLang="ko-KR" sz="1800" smtClean="0"/>
+              <a:rPr lang="ko-KR" altLang="en-US" sz="1800"/>
+              <a:t>자기개발자 유자 </a:t>
+            </a:r>
+            <a:endParaRPr lang="en-US" altLang="ko-KR" sz="1800" smtClean="0">
+              <a:solidFill>
+                <a:srgbClr val="0F0F0F"/>
+              </a:solidFill>
+            </a:endParaRPr>
           </a:p>
           <a:p>
             <a:pPr lvl="1"/>
             <a:r>
               <a:rPr lang="en-US" altLang="ko-KR" sz="1800" smtClean="0"/>
-              <a:t>[07:22]</a:t>
+              <a:t>[</a:t>
+            </a:r>
+            <a:r>
+              <a:rPr lang="en-US" altLang="ko-KR" sz="1800" smtClean="0"/>
+              <a:t>07:45]</a:t>
             </a:r>
             <a:endParaRPr lang="ko-KR" altLang="en-US" sz="1800"/>
           </a:p>
@@ -6538,7 +6759,7 @@
               <a:rPr lang="en-US" altLang="ko-KR" sz="1800" smtClean="0">
                 <a:hlinkClick r:id="rId3"/>
               </a:rPr>
-              <a:t>www.youtube.com/watch?v=wZ-djOD2FdE</a:t>
+              <a:t>www.youtube.com/watch?v=ayAC7gkSSBE</a:t>
             </a:r>
             <a:endParaRPr lang="en-US" altLang="ko-KR" sz="1800" smtClean="0"/>
           </a:p>
@@ -6566,8 +6787,8 @@
         </p:blipFill>
         <p:spPr>
           <a:xfrm>
-            <a:off x="4211960" y="3314270"/>
-            <a:ext cx="4620270" cy="2934109"/>
+            <a:off x="1187624" y="3314270"/>
+            <a:ext cx="4591691" cy="2876951"/>
           </a:xfrm>
           <a:prstGeom prst="rect">
             <a:avLst/>
@@ -6576,14 +6797,14 @@
       </p:pic>
       <p:sp>
         <p:nvSpPr>
-          <p:cNvPr id="5" name="직사각형 4"/>
+          <p:cNvPr id="6" name="직사각형 5"/>
           <p:cNvSpPr/>
           <p:nvPr/>
         </p:nvSpPr>
         <p:spPr>
           <a:xfrm>
-            <a:off x="1043608" y="3316120"/>
-            <a:ext cx="3024336" cy="3046988"/>
+            <a:off x="6156176" y="4005064"/>
+            <a:ext cx="1728192" cy="923330"/>
           </a:xfrm>
           <a:prstGeom prst="rect">
             <a:avLst/>
@@ -6614,208 +6835,71 @@
           </a:bodyPr>
           <a:lstStyle/>
           <a:p>
-            <a:r>
-              <a:rPr lang="en-US" altLang="ko-KR" sz="1200" smtClean="0">
-                <a:latin typeface="+mn-ea"/>
-                <a:ea typeface="+mn-ea"/>
-              </a:rPr>
-              <a:t>1.</a:t>
-            </a:r>
+            <a:pPr marL="171450" indent="-171450">
+              <a:lnSpc>
+                <a:spcPct val="150000"/>
+              </a:lnSpc>
+              <a:buFont typeface="Wingdings" panose="05000000000000000000" pitchFamily="2" charset="2"/>
+              <a:buChar char="v"/>
+            </a:pPr>
             <a:r>
               <a:rPr lang="ko-KR" altLang="en-US" sz="1200" smtClean="0">
                 <a:latin typeface="+mn-ea"/>
                 <a:ea typeface="+mn-ea"/>
               </a:rPr>
-              <a:t> </a:t>
-            </a:r>
-            <a:r>
-              <a:rPr lang="ko-KR" altLang="en-US" sz="1200">
-                <a:latin typeface="+mn-ea"/>
-                <a:ea typeface="+mn-ea"/>
-              </a:rPr>
-              <a:t>플랫폼 기준</a:t>
-            </a:r>
-          </a:p>
-          <a:p>
-            <a:r>
-              <a:rPr lang="en-US" altLang="ko-KR" sz="1200">
-                <a:latin typeface="+mn-ea"/>
-                <a:ea typeface="+mn-ea"/>
-              </a:rPr>
-              <a:t>	</a:t>
-            </a:r>
+              <a:t>엉덩이가 무거워야</a:t>
+            </a:r>
+            <a:endParaRPr lang="en-US" altLang="ko-KR" sz="1200" smtClean="0">
+              <a:latin typeface="+mn-ea"/>
+              <a:ea typeface="+mn-ea"/>
+            </a:endParaRPr>
+          </a:p>
+          <a:p>
+            <a:pPr marL="171450" indent="-171450">
+              <a:lnSpc>
+                <a:spcPct val="150000"/>
+              </a:lnSpc>
+              <a:buFont typeface="Wingdings" panose="05000000000000000000" pitchFamily="2" charset="2"/>
+              <a:buChar char="v"/>
+            </a:pPr>
             <a:r>
               <a:rPr lang="ko-KR" altLang="en-US" sz="1200" smtClean="0">
                 <a:latin typeface="+mn-ea"/>
                 <a:ea typeface="+mn-ea"/>
               </a:rPr>
-              <a:t>데스크톱 </a:t>
-            </a:r>
-            <a:r>
-              <a:rPr lang="ko-KR" altLang="en-US" sz="1200">
+              <a:t>재미있어야</a:t>
+            </a:r>
+            <a:endParaRPr lang="en-US" altLang="ko-KR" sz="1200" smtClean="0">
+              <a:latin typeface="+mn-ea"/>
+              <a:ea typeface="+mn-ea"/>
+            </a:endParaRPr>
+          </a:p>
+          <a:p>
+            <a:pPr marL="171450" indent="-171450">
+              <a:lnSpc>
+                <a:spcPct val="150000"/>
+              </a:lnSpc>
+              <a:buFont typeface="Wingdings" panose="05000000000000000000" pitchFamily="2" charset="2"/>
+              <a:buChar char="v"/>
+            </a:pPr>
+            <a:r>
+              <a:rPr lang="ko-KR" altLang="en-US" sz="1200" smtClean="0">
                 <a:latin typeface="+mn-ea"/>
                 <a:ea typeface="+mn-ea"/>
               </a:rPr>
-              <a:t>개발자</a:t>
-            </a:r>
-          </a:p>
-          <a:p>
-            <a:r>
-              <a:rPr lang="ko-KR" altLang="en-US" sz="1200">
-                <a:latin typeface="+mn-ea"/>
-                <a:ea typeface="+mn-ea"/>
-              </a:rPr>
-              <a:t>	모바일 개발자</a:t>
-            </a:r>
-          </a:p>
-          <a:p>
-            <a:r>
-              <a:rPr lang="ko-KR" altLang="en-US" sz="1200">
-                <a:latin typeface="+mn-ea"/>
-                <a:ea typeface="+mn-ea"/>
-              </a:rPr>
-              <a:t>	임베디드 개발자</a:t>
-            </a:r>
-          </a:p>
-          <a:p>
+              <a:t>평생 공부를 해야</a:t>
+            </a:r>
             <a:endParaRPr lang="ko-KR" altLang="en-US" sz="1200">
               <a:latin typeface="+mn-ea"/>
               <a:ea typeface="+mn-ea"/>
             </a:endParaRPr>
-          </a:p>
-          <a:p>
-            <a:r>
-              <a:rPr lang="en-US" altLang="ko-KR" sz="1200" smtClean="0">
-                <a:latin typeface="+mn-ea"/>
-                <a:ea typeface="+mn-ea"/>
-              </a:rPr>
-              <a:t>2.</a:t>
-            </a:r>
-            <a:r>
-              <a:rPr lang="ko-KR" altLang="en-US" sz="1200" smtClean="0">
-                <a:latin typeface="+mn-ea"/>
-                <a:ea typeface="+mn-ea"/>
-              </a:rPr>
-              <a:t> </a:t>
-            </a:r>
-            <a:r>
-              <a:rPr lang="ko-KR" altLang="en-US" sz="1200">
-                <a:latin typeface="+mn-ea"/>
-                <a:ea typeface="+mn-ea"/>
-              </a:rPr>
-              <a:t>도메인 기준</a:t>
-            </a:r>
-          </a:p>
-          <a:p>
-            <a:r>
-              <a:rPr lang="ko-KR" altLang="en-US" sz="1200">
-                <a:latin typeface="+mn-ea"/>
-                <a:ea typeface="+mn-ea"/>
-              </a:rPr>
-              <a:t>	웹개발(Front-end, Back-end)</a:t>
-            </a:r>
-          </a:p>
-          <a:p>
-            <a:r>
-              <a:rPr lang="ko-KR" altLang="en-US" sz="1200">
-                <a:latin typeface="+mn-ea"/>
-                <a:ea typeface="+mn-ea"/>
-              </a:rPr>
-              <a:t>	응용 프로그램</a:t>
-            </a:r>
-          </a:p>
-          <a:p>
-            <a:r>
-              <a:rPr lang="ko-KR" altLang="en-US" sz="1200">
-                <a:latin typeface="+mn-ea"/>
-                <a:ea typeface="+mn-ea"/>
-              </a:rPr>
-              <a:t>	시스템 프로그램</a:t>
-            </a:r>
-          </a:p>
-          <a:p>
-            <a:r>
-              <a:rPr lang="ko-KR" altLang="en-US" sz="1200">
-                <a:latin typeface="+mn-ea"/>
-                <a:ea typeface="+mn-ea"/>
-              </a:rPr>
-              <a:t>	게임 개발자</a:t>
-            </a:r>
-          </a:p>
-          <a:p>
-            <a:r>
-              <a:rPr lang="ko-KR" altLang="en-US" sz="1200">
-                <a:latin typeface="+mn-ea"/>
-                <a:ea typeface="+mn-ea"/>
-              </a:rPr>
-              <a:t>	보안 프로그램</a:t>
-            </a:r>
-          </a:p>
-          <a:p>
-            <a:r>
-              <a:rPr lang="ko-KR" altLang="en-US" sz="1200">
-                <a:latin typeface="+mn-ea"/>
-                <a:ea typeface="+mn-ea"/>
-              </a:rPr>
-              <a:t>	빅데이터/머신러닝 개발자</a:t>
-            </a:r>
-          </a:p>
-          <a:p>
-            <a:r>
-              <a:rPr lang="ko-KR" altLang="en-US" sz="1200">
-                <a:latin typeface="+mn-ea"/>
-                <a:ea typeface="+mn-ea"/>
-              </a:rPr>
-              <a:t>	</a:t>
-            </a:r>
-          </a:p>
-          <a:p>
-            <a:r>
-              <a:rPr lang="en-US" altLang="ko-KR" sz="1200" smtClean="0">
-                <a:latin typeface="+mn-ea"/>
-                <a:ea typeface="+mn-ea"/>
-              </a:rPr>
-              <a:t>3.</a:t>
-            </a:r>
-            <a:r>
-              <a:rPr lang="ko-KR" altLang="en-US" sz="1200" smtClean="0">
-                <a:latin typeface="+mn-ea"/>
-                <a:ea typeface="+mn-ea"/>
-              </a:rPr>
-              <a:t> </a:t>
-            </a:r>
-            <a:r>
-              <a:rPr lang="ko-KR" altLang="en-US" sz="1200">
-                <a:latin typeface="+mn-ea"/>
-                <a:ea typeface="+mn-ea"/>
-              </a:rPr>
-              <a:t>레벨 기준</a:t>
-            </a:r>
-          </a:p>
-          <a:p>
-            <a:r>
-              <a:rPr lang="ko-KR" altLang="en-US" sz="1200">
-                <a:latin typeface="+mn-ea"/>
-                <a:ea typeface="+mn-ea"/>
-              </a:rPr>
-              <a:t>	커널 개발자</a:t>
-            </a:r>
-          </a:p>
-          <a:p>
-            <a:r>
-              <a:rPr lang="ko-KR" altLang="en-US" sz="1200">
-                <a:latin typeface="+mn-ea"/>
-                <a:ea typeface="+mn-ea"/>
-              </a:rPr>
-              <a:t>	유저 영역 개발자</a:t>
-            </a:r>
           </a:p>
         </p:txBody>
       </p:sp>
     </p:spTree>
     <p:extLst>
       <p:ext uri="{BB962C8B-B14F-4D97-AF65-F5344CB8AC3E}">
-        <p14:creationId xmlns:p14="http://schemas.microsoft.com/office/powerpoint/2010/main" val="3605136296"/>
+        <p14:creationId xmlns:p14="http://schemas.microsoft.com/office/powerpoint/2010/main" val="4233600667"/>
       </p:ext>
     </p:extLst>
   </p:cSld>
@@ -6916,7 +7000,15 @@
             </a:r>
             <a:r>
               <a:rPr lang="ko-KR" altLang="en-US" sz="2000" smtClean="0"/>
-              <a:t>개발자의 현실</a:t>
+              <a:t>개발</a:t>
+            </a:r>
+            <a:r>
+              <a:rPr lang="ko-KR" altLang="en-US" sz="2000"/>
+              <a:t>자</a:t>
+            </a:r>
+            <a:r>
+              <a:rPr lang="ko-KR" altLang="en-US" sz="2000" smtClean="0"/>
+              <a:t> 직무</a:t>
             </a:r>
             <a:r>
               <a:rPr lang="en-US" altLang="ko-KR" sz="2000" smtClean="0">
@@ -6940,15 +7032,7 @@
             <a:pPr lvl="1"/>
             <a:r>
               <a:rPr lang="ko-KR" altLang="en-US" sz="1800" b="1"/>
-              <a:t>신입 개발자의 현실 </a:t>
-            </a:r>
-            <a:r>
-              <a:rPr lang="en-US" altLang="ko-KR" sz="1800" b="1"/>
-              <a:t>(</a:t>
-            </a:r>
-            <a:r>
-              <a:rPr lang="ko-KR" altLang="en-US" sz="1800" b="1"/>
-              <a:t>국비</a:t>
+              <a:t>개발 분야</a:t>
             </a:r>
             <a:r>
               <a:rPr lang="en-US" altLang="ko-KR" sz="1800" b="1"/>
@@ -6956,11 +7040,11 @@
             </a:r>
             <a:r>
               <a:rPr lang="ko-KR" altLang="en-US" sz="1800" b="1"/>
-              <a:t>연봉</a:t>
+              <a:t>얼마나 알고 계신가요</a:t>
             </a:r>
             <a:r>
               <a:rPr lang="en-US" altLang="ko-KR" sz="1800" b="1" smtClean="0"/>
-              <a:t>)</a:t>
+              <a:t>?</a:t>
             </a:r>
             <a:endParaRPr lang="en-US" altLang="ko-KR" sz="1800" smtClean="0">
               <a:solidFill>
@@ -6971,16 +7055,470 @@
           <a:p>
             <a:pPr lvl="1"/>
             <a:r>
+              <a:rPr lang="ko-KR" altLang="en-US" sz="1800" smtClean="0"/>
+              <a:t>삼평동연구소</a:t>
+            </a:r>
+            <a:endParaRPr lang="en-US" altLang="ko-KR" sz="1800" smtClean="0"/>
+          </a:p>
+          <a:p>
+            <a:pPr lvl="1"/>
+            <a:r>
+              <a:rPr lang="en-US" altLang="ko-KR" sz="1800" smtClean="0"/>
+              <a:t>[07:22]</a:t>
+            </a:r>
+            <a:endParaRPr lang="ko-KR" altLang="en-US" sz="1800"/>
+          </a:p>
+          <a:p>
+            <a:pPr lvl="1"/>
+            <a:r>
+              <a:rPr lang="en-US" altLang="ko-KR" sz="1800">
+                <a:hlinkClick r:id="rId3"/>
+              </a:rPr>
+              <a:t>https://</a:t>
+            </a:r>
+            <a:r>
+              <a:rPr lang="en-US" altLang="ko-KR" sz="1800" smtClean="0">
+                <a:hlinkClick r:id="rId3"/>
+              </a:rPr>
+              <a:t>www.youtube.com/watch?v=wZ-djOD2FdE</a:t>
+            </a:r>
+            <a:endParaRPr lang="en-US" altLang="ko-KR" sz="1800" smtClean="0"/>
+          </a:p>
+          <a:p>
+            <a:pPr lvl="1"/>
+            <a:endParaRPr lang="en-US" altLang="ko-KR">
+              <a:effectLst/>
+            </a:endParaRPr>
+          </a:p>
+        </p:txBody>
+      </p:sp>
+      <p:pic>
+        <p:nvPicPr>
+          <p:cNvPr id="4" name="그림 3"/>
+          <p:cNvPicPr>
+            <a:picLocks noChangeAspect="1"/>
+          </p:cNvPicPr>
+          <p:nvPr/>
+        </p:nvPicPr>
+        <p:blipFill>
+          <a:blip r:embed="rId4"/>
+          <a:stretch>
+            <a:fillRect/>
+          </a:stretch>
+        </p:blipFill>
+        <p:spPr>
+          <a:xfrm>
+            <a:off x="1043608" y="3212976"/>
+            <a:ext cx="4620270" cy="2934109"/>
+          </a:xfrm>
+          <a:prstGeom prst="rect">
+            <a:avLst/>
+          </a:prstGeom>
+        </p:spPr>
+      </p:pic>
+      <p:sp>
+        <p:nvSpPr>
+          <p:cNvPr id="5" name="직사각형 4"/>
+          <p:cNvSpPr/>
+          <p:nvPr/>
+        </p:nvSpPr>
+        <p:spPr>
+          <a:xfrm>
+            <a:off x="5940152" y="3275373"/>
+            <a:ext cx="3024336" cy="3046988"/>
+          </a:xfrm>
+          <a:prstGeom prst="rect">
+            <a:avLst/>
+          </a:prstGeom>
+          <a:solidFill>
+            <a:schemeClr val="bg1">
+              <a:lumMod val="95000"/>
+            </a:schemeClr>
+          </a:solidFill>
+          <a:ln>
+            <a:solidFill>
+              <a:schemeClr val="bg1">
+                <a:lumMod val="85000"/>
+              </a:schemeClr>
+            </a:solidFill>
+          </a:ln>
+          <a:effectLst>
+            <a:outerShdw blurRad="50800" dist="38100" dir="2700000" algn="tl" rotWithShape="0">
+              <a:prstClr val="black">
+                <a:alpha val="40000"/>
+              </a:prstClr>
+            </a:outerShdw>
+          </a:effectLst>
+        </p:spPr>
+        <p:txBody>
+          <a:bodyPr wrap="square">
+            <a:spAutoFit/>
+          </a:bodyPr>
+          <a:lstStyle/>
+          <a:p>
+            <a:r>
+              <a:rPr lang="en-US" altLang="ko-KR" sz="1200" smtClean="0">
+                <a:latin typeface="+mn-ea"/>
+                <a:ea typeface="+mn-ea"/>
+              </a:rPr>
+              <a:t>1.</a:t>
+            </a:r>
+            <a:r>
+              <a:rPr lang="ko-KR" altLang="en-US" sz="1200" smtClean="0">
+                <a:latin typeface="+mn-ea"/>
+                <a:ea typeface="+mn-ea"/>
+              </a:rPr>
+              <a:t> </a:t>
+            </a:r>
+            <a:r>
+              <a:rPr lang="ko-KR" altLang="en-US" sz="1200">
+                <a:latin typeface="+mn-ea"/>
+                <a:ea typeface="+mn-ea"/>
+              </a:rPr>
+              <a:t>플랫폼 기준</a:t>
+            </a:r>
+          </a:p>
+          <a:p>
+            <a:r>
+              <a:rPr lang="en-US" altLang="ko-KR" sz="1200">
+                <a:latin typeface="+mn-ea"/>
+                <a:ea typeface="+mn-ea"/>
+              </a:rPr>
+              <a:t>	</a:t>
+            </a:r>
+            <a:r>
+              <a:rPr lang="ko-KR" altLang="en-US" sz="1200" smtClean="0">
+                <a:latin typeface="+mn-ea"/>
+                <a:ea typeface="+mn-ea"/>
+              </a:rPr>
+              <a:t>데스크톱 </a:t>
+            </a:r>
+            <a:r>
+              <a:rPr lang="ko-KR" altLang="en-US" sz="1200">
+                <a:latin typeface="+mn-ea"/>
+                <a:ea typeface="+mn-ea"/>
+              </a:rPr>
+              <a:t>개발자</a:t>
+            </a:r>
+          </a:p>
+          <a:p>
+            <a:r>
+              <a:rPr lang="ko-KR" altLang="en-US" sz="1200">
+                <a:latin typeface="+mn-ea"/>
+                <a:ea typeface="+mn-ea"/>
+              </a:rPr>
+              <a:t>	모바일 개발자</a:t>
+            </a:r>
+          </a:p>
+          <a:p>
+            <a:r>
+              <a:rPr lang="ko-KR" altLang="en-US" sz="1200">
+                <a:latin typeface="+mn-ea"/>
+                <a:ea typeface="+mn-ea"/>
+              </a:rPr>
+              <a:t>	임베디드 개발자</a:t>
+            </a:r>
+          </a:p>
+          <a:p>
+            <a:endParaRPr lang="ko-KR" altLang="en-US" sz="1200">
+              <a:latin typeface="+mn-ea"/>
+              <a:ea typeface="+mn-ea"/>
+            </a:endParaRPr>
+          </a:p>
+          <a:p>
+            <a:r>
+              <a:rPr lang="en-US" altLang="ko-KR" sz="1200" smtClean="0">
+                <a:latin typeface="+mn-ea"/>
+                <a:ea typeface="+mn-ea"/>
+              </a:rPr>
+              <a:t>2.</a:t>
+            </a:r>
+            <a:r>
+              <a:rPr lang="ko-KR" altLang="en-US" sz="1200" smtClean="0">
+                <a:latin typeface="+mn-ea"/>
+                <a:ea typeface="+mn-ea"/>
+              </a:rPr>
+              <a:t> </a:t>
+            </a:r>
+            <a:r>
+              <a:rPr lang="ko-KR" altLang="en-US" sz="1200">
+                <a:latin typeface="+mn-ea"/>
+                <a:ea typeface="+mn-ea"/>
+              </a:rPr>
+              <a:t>도메인 기준</a:t>
+            </a:r>
+          </a:p>
+          <a:p>
+            <a:r>
+              <a:rPr lang="ko-KR" altLang="en-US" sz="1200">
+                <a:latin typeface="+mn-ea"/>
+                <a:ea typeface="+mn-ea"/>
+              </a:rPr>
+              <a:t>	웹개발(Front-end, Back-end)</a:t>
+            </a:r>
+          </a:p>
+          <a:p>
+            <a:r>
+              <a:rPr lang="ko-KR" altLang="en-US" sz="1200">
+                <a:latin typeface="+mn-ea"/>
+                <a:ea typeface="+mn-ea"/>
+              </a:rPr>
+              <a:t>	응용 프로그램</a:t>
+            </a:r>
+          </a:p>
+          <a:p>
+            <a:r>
+              <a:rPr lang="ko-KR" altLang="en-US" sz="1200">
+                <a:latin typeface="+mn-ea"/>
+                <a:ea typeface="+mn-ea"/>
+              </a:rPr>
+              <a:t>	시스템 프로그램</a:t>
+            </a:r>
+          </a:p>
+          <a:p>
+            <a:r>
+              <a:rPr lang="ko-KR" altLang="en-US" sz="1200">
+                <a:latin typeface="+mn-ea"/>
+                <a:ea typeface="+mn-ea"/>
+              </a:rPr>
+              <a:t>	게임 개발자</a:t>
+            </a:r>
+          </a:p>
+          <a:p>
+            <a:r>
+              <a:rPr lang="ko-KR" altLang="en-US" sz="1200">
+                <a:latin typeface="+mn-ea"/>
+                <a:ea typeface="+mn-ea"/>
+              </a:rPr>
+              <a:t>	보안 프로그램</a:t>
+            </a:r>
+          </a:p>
+          <a:p>
+            <a:r>
+              <a:rPr lang="ko-KR" altLang="en-US" sz="1200">
+                <a:latin typeface="+mn-ea"/>
+                <a:ea typeface="+mn-ea"/>
+              </a:rPr>
+              <a:t>	빅데이터/머신러닝 개발자</a:t>
+            </a:r>
+          </a:p>
+          <a:p>
+            <a:r>
+              <a:rPr lang="ko-KR" altLang="en-US" sz="1200">
+                <a:latin typeface="+mn-ea"/>
+                <a:ea typeface="+mn-ea"/>
+              </a:rPr>
+              <a:t>	</a:t>
+            </a:r>
+          </a:p>
+          <a:p>
+            <a:r>
+              <a:rPr lang="en-US" altLang="ko-KR" sz="1200" smtClean="0">
+                <a:latin typeface="+mn-ea"/>
+                <a:ea typeface="+mn-ea"/>
+              </a:rPr>
+              <a:t>3.</a:t>
+            </a:r>
+            <a:r>
+              <a:rPr lang="ko-KR" altLang="en-US" sz="1200" smtClean="0">
+                <a:latin typeface="+mn-ea"/>
+                <a:ea typeface="+mn-ea"/>
+              </a:rPr>
+              <a:t> </a:t>
+            </a:r>
+            <a:r>
+              <a:rPr lang="ko-KR" altLang="en-US" sz="1200">
+                <a:latin typeface="+mn-ea"/>
+                <a:ea typeface="+mn-ea"/>
+              </a:rPr>
+              <a:t>레벨 기준</a:t>
+            </a:r>
+          </a:p>
+          <a:p>
+            <a:r>
+              <a:rPr lang="ko-KR" altLang="en-US" sz="1200">
+                <a:latin typeface="+mn-ea"/>
+                <a:ea typeface="+mn-ea"/>
+              </a:rPr>
+              <a:t>	커널 개발자</a:t>
+            </a:r>
+          </a:p>
+          <a:p>
+            <a:r>
+              <a:rPr lang="ko-KR" altLang="en-US" sz="1200">
+                <a:latin typeface="+mn-ea"/>
+                <a:ea typeface="+mn-ea"/>
+              </a:rPr>
+              <a:t>	유저 영역 개발자</a:t>
+            </a:r>
+          </a:p>
+        </p:txBody>
+      </p:sp>
+    </p:spTree>
+    <p:extLst>
+      <p:ext uri="{BB962C8B-B14F-4D97-AF65-F5344CB8AC3E}">
+        <p14:creationId xmlns:p14="http://schemas.microsoft.com/office/powerpoint/2010/main" val="3605136296"/>
+      </p:ext>
+    </p:extLst>
+  </p:cSld>
+  <p:clrMapOvr>
+    <a:masterClrMapping/>
+  </p:clrMapOvr>
+</p:sld>
+</file>
+
+<file path=ppt/slides/slide8.xml><?xml version="1.0" encoding="utf-8"?>
+<p:sld xmlns:a="http://schemas.openxmlformats.org/drawingml/2006/main" xmlns:r="http://schemas.openxmlformats.org/officeDocument/2006/relationships" xmlns:p="http://schemas.openxmlformats.org/presentationml/2006/main">
+  <p:cSld>
+    <p:spTree>
+      <p:nvGrpSpPr>
+        <p:cNvPr id="1" name=""/>
+        <p:cNvGrpSpPr/>
+        <p:nvPr/>
+      </p:nvGrpSpPr>
+      <p:grpSpPr>
+        <a:xfrm>
+          <a:off x="0" y="0"/>
+          <a:ext cx="0" cy="0"/>
+          <a:chOff x="0" y="0"/>
+          <a:chExt cx="0" cy="0"/>
+        </a:xfrm>
+      </p:grpSpPr>
+      <p:sp>
+        <p:nvSpPr>
+          <p:cNvPr id="2" name="제목 1"/>
+          <p:cNvSpPr>
+            <a:spLocks noGrp="1"/>
+          </p:cNvSpPr>
+          <p:nvPr>
+            <p:ph type="title"/>
+          </p:nvPr>
+        </p:nvSpPr>
+        <p:spPr>
+          <a:xfrm>
+            <a:off x="539552" y="184745"/>
+            <a:ext cx="7992888" cy="548680"/>
+          </a:xfrm>
+        </p:spPr>
+        <p:txBody>
+          <a:bodyPr/>
+          <a:lstStyle/>
+          <a:p>
+            <a:r>
+              <a:rPr lang="en-US" altLang="ko-KR" smtClean="0">
+                <a:solidFill>
+                  <a:srgbClr val="3C479D"/>
+                </a:solidFill>
+              </a:rPr>
+              <a:t>03. </a:t>
+            </a:r>
+            <a:r>
+              <a:rPr lang="ko-KR" altLang="en-US" smtClean="0"/>
+              <a:t>프로그래밍 직무 </a:t>
+            </a:r>
+            <a:endParaRPr lang="ko-KR" altLang="en-US" dirty="0"/>
+          </a:p>
+        </p:txBody>
+      </p:sp>
+      <p:sp>
+        <p:nvSpPr>
+          <p:cNvPr id="30" name="내용 개체 틀 2"/>
+          <p:cNvSpPr>
+            <a:spLocks noGrp="1"/>
+          </p:cNvSpPr>
+          <p:nvPr>
+            <p:ph idx="10"/>
+          </p:nvPr>
+        </p:nvSpPr>
+        <p:spPr>
+          <a:xfrm>
+            <a:off x="539552" y="980728"/>
+            <a:ext cx="8568952" cy="2086239"/>
+          </a:xfrm>
+        </p:spPr>
+        <p:txBody>
+          <a:bodyPr/>
+          <a:lstStyle/>
+          <a:p>
+            <a:pPr marL="0" indent="0">
+              <a:buClr>
+                <a:srgbClr val="3C479D"/>
+              </a:buClr>
+              <a:buNone/>
+            </a:pPr>
+            <a:r>
+              <a:rPr lang="en-US" altLang="ko-KR" sz="2000" smtClean="0">
+                <a:solidFill>
+                  <a:schemeClr val="accent1">
+                    <a:lumMod val="50000"/>
+                  </a:schemeClr>
+                </a:solidFill>
+              </a:rPr>
+              <a:t>[</a:t>
+            </a:r>
+            <a:r>
+              <a:rPr lang="ko-KR" altLang="en-US" sz="2000" smtClean="0"/>
+              <a:t>개발자의 현실</a:t>
+            </a:r>
+            <a:r>
+              <a:rPr lang="en-US" altLang="ko-KR" sz="2000" smtClean="0">
+                <a:solidFill>
+                  <a:schemeClr val="accent1">
+                    <a:lumMod val="50000"/>
+                  </a:schemeClr>
+                </a:solidFill>
+              </a:rPr>
+              <a:t>]</a:t>
+            </a:r>
+            <a:endParaRPr lang="en-US" altLang="ko-KR" sz="2000" dirty="0">
+              <a:solidFill>
+                <a:schemeClr val="accent1">
+                  <a:lumMod val="50000"/>
+                </a:schemeClr>
+              </a:solidFill>
+            </a:endParaRPr>
+          </a:p>
+          <a:p>
+            <a:pPr lvl="1"/>
+            <a:r>
+              <a:rPr lang="ko-KR" altLang="en-US" sz="1800" b="1"/>
+              <a:t>신입 개발자의 현실 </a:t>
+            </a:r>
+            <a:r>
+              <a:rPr lang="en-US" altLang="ko-KR" sz="1800" b="1"/>
+              <a:t>(</a:t>
+            </a:r>
+            <a:r>
+              <a:rPr lang="ko-KR" altLang="en-US" sz="1800" b="1"/>
+              <a:t>국비</a:t>
+            </a:r>
+            <a:r>
+              <a:rPr lang="en-US" altLang="ko-KR" sz="1800" b="1"/>
+              <a:t>, </a:t>
+            </a:r>
+            <a:r>
+              <a:rPr lang="ko-KR" altLang="en-US" sz="1800" b="1"/>
+              <a:t>연봉</a:t>
+            </a:r>
+            <a:r>
+              <a:rPr lang="en-US" altLang="ko-KR" sz="1800" b="1" smtClean="0"/>
+              <a:t>)</a:t>
+            </a:r>
+            <a:endParaRPr lang="en-US" altLang="ko-KR" sz="1800" smtClean="0">
+              <a:solidFill>
+                <a:srgbClr val="0F0F0F"/>
+              </a:solidFill>
+            </a:endParaRPr>
+          </a:p>
+          <a:p>
+            <a:pPr lvl="1"/>
+            <a:r>
               <a:rPr lang="en-US" altLang="ko-KR" sz="1800"/>
               <a:t>21</a:t>
             </a:r>
             <a:r>
               <a:rPr lang="ko-KR" altLang="en-US" sz="1800"/>
-              <a:t>세기 보통 </a:t>
-            </a:r>
-            <a:r>
-              <a:rPr lang="ko-KR" altLang="en-US" sz="1800"/>
-              <a:t>사람들 </a:t>
+              <a:t>세기 보통 사람들 </a:t>
             </a:r>
             <a:r>
               <a:rPr lang="ko-KR" altLang="en-US" sz="1800" smtClean="0"/>
@@ -7002,13 +7540,7 @@
               <a:rPr lang="en-US" altLang="ko-KR" sz="1800">
                 <a:hlinkClick r:id="rId3"/>
               </a:rPr>
-              <a:t>https</a:t>
-            </a:r>
-            <a:r>
-              <a:rPr lang="en-US" altLang="ko-KR" sz="1800">
-                <a:hlinkClick r:id="rId3"/>
-              </a:rPr>
-              <a:t>://</a:t>
+              <a:t>https://</a:t>
             </a:r>
             <a:r>
               <a:rPr lang="en-US" altLang="ko-KR" sz="1800" smtClean="0">
@@ -7042,7 +7574,7 @@
         </p:blipFill>
         <p:spPr>
           <a:xfrm>
-            <a:off x="2267744" y="3462612"/>
+            <a:off x="1043608" y="3303600"/>
             <a:ext cx="4629796" cy="2896004"/>
           </a:xfrm>
           <a:prstGeom prst="rect">
@@ -7058,7 +7590,7 @@
         </p:nvSpPr>
         <p:spPr>
           <a:xfrm>
-            <a:off x="5652120" y="1908738"/>
+            <a:off x="5817420" y="4140986"/>
             <a:ext cx="3024336" cy="610616"/>
           </a:xfrm>
           <a:prstGeom prst="rect">
@@ -7149,7 +7681,7 @@
         </p:nvSpPr>
         <p:spPr>
           <a:xfrm>
-            <a:off x="5652120" y="1484784"/>
+            <a:off x="5817420" y="3717032"/>
             <a:ext cx="3024336" cy="333617"/>
           </a:xfrm>
           <a:prstGeom prst="rect">
@@ -7229,7 +7761,7 @@
 </p:sld>
 </file>
 
-<file path=ppt/slides/slide8.xml><?xml version="1.0" encoding="utf-8"?>
+<file path=ppt/slides/slide9.xml><?xml version="1.0" encoding="utf-8"?>
 <p:sld xmlns:a="http://schemas.openxmlformats.org/drawingml/2006/main" xmlns:r="http://schemas.openxmlformats.org/officeDocument/2006/relationships" xmlns:p="http://schemas.openxmlformats.org/presentationml/2006/main">
   <p:cSld>
     <p:spTree>
